--- a/Teaching_april25.pptx
+++ b/Teaching_april25.pptx
@@ -3047,7 +3047,7 @@
         </p:nvSpPr>
         <p:spPr>
           <a:xfrm>
-            <a:off x="985345" y="2193651"/>
+            <a:off x="840826" y="2204161"/>
             <a:ext cx="7044558" cy="2945907"/>
           </a:xfrm>
         </p:spPr>
@@ -3093,15 +3093,84 @@
               <a:t>Seaborn </a:t>
             </a:r>
           </a:p>
-          <a:p>
-            <a:pPr marL="800100" lvl="1" indent="-342900" algn="l">
-              <a:buFont typeface="Courier New" panose="02070309020205020404" pitchFamily="49" charset="0"/>
-              <a:buChar char="o"/>
-            </a:pPr>
+        </p:txBody>
+      </p:sp>
+      <p:sp>
+        <p:nvSpPr>
+          <p:cNvPr id="4" name="TextBox 3">
+            <a:extLst>
+              <a:ext uri="{FF2B5EF4-FFF2-40B4-BE49-F238E27FC236}">
+                <a16:creationId xmlns:a16="http://schemas.microsoft.com/office/drawing/2014/main" id="{2BA0D602-28D5-B922-D7ED-15FBB7619876}"/>
+              </a:ext>
+            </a:extLst>
+          </p:cNvPr>
+          <p:cNvSpPr txBox="1"/>
+          <p:nvPr/>
+        </p:nvSpPr>
+        <p:spPr>
+          <a:xfrm>
+            <a:off x="840826" y="4522649"/>
+            <a:ext cx="8502869" cy="1477328"/>
+          </a:xfrm>
+          <a:prstGeom prst="rect">
+            <a:avLst/>
+          </a:prstGeom>
+          <a:noFill/>
+        </p:spPr>
+        <p:txBody>
+          <a:bodyPr wrap="square" rtlCol="0">
+            <a:spAutoFit/>
+          </a:bodyPr>
+          <a:lstStyle/>
+          <a:p>
             <a:r>
               <a:rPr lang="en-US" dirty="0"/>
-              <a:t>Regression plot (linear model plot) </a:t>
-            </a:r>
+              <a:t>Download:  </a:t>
+            </a:r>
+          </a:p>
+          <a:p>
+            <a:r>
+              <a:rPr lang="en-US" sz="3600" dirty="0">
+                <a:highlight>
+                  <a:srgbClr val="FFFF00"/>
+                </a:highlight>
+              </a:rPr>
+              <a:t>https://</a:t>
+            </a:r>
+            <a:r>
+              <a:rPr lang="en-US" sz="3600" dirty="0" err="1">
+                <a:highlight>
+                  <a:srgbClr val="FFFF00"/>
+                </a:highlight>
+              </a:rPr>
+              <a:t>tinyurl.com</a:t>
+            </a:r>
+            <a:r>
+              <a:rPr lang="en-US" sz="3600" dirty="0">
+                <a:highlight>
+                  <a:srgbClr val="FFFF00"/>
+                </a:highlight>
+              </a:rPr>
+              <a:t>/yw6kv866</a:t>
+            </a:r>
+          </a:p>
+          <a:p>
+            <a:r>
+              <a:rPr lang="en-US" dirty="0">
+                <a:hlinkClick r:id="rId2"/>
+              </a:rPr>
+              <a:t>https://github.com/m-rafiul-islam/uiw-ds</a:t>
+            </a:r>
+            <a:endParaRPr lang="en-US" dirty="0"/>
+          </a:p>
+          <a:p>
+            <a:r>
+              <a:rPr lang="en-US" dirty="0">
+                <a:hlinkClick r:id="rId3"/>
+              </a:rPr>
+              <a:t>https://www.dropbox.com/sh/xpul6b8610mep88/AACS1W-eQfaAzraN40Th5JDBa?dl=0</a:t>
+            </a:r>
+            <a:endParaRPr lang="en-US" dirty="0"/>
           </a:p>
         </p:txBody>
       </p:sp>
